--- a/figures/stimuli_bots.pptx
+++ b/figures/stimuli_bots.pptx
@@ -2998,10 +2998,10 @@
         </p:nvGrpSpPr>
         <p:grpSpPr>
           <a:xfrm>
-            <a:off x="203523" y="80193"/>
-            <a:ext cx="10565757" cy="6697614"/>
-            <a:chOff x="1196051" y="80193"/>
-            <a:chExt cx="10565757" cy="6697614"/>
+            <a:off x="203523" y="80192"/>
+            <a:ext cx="10565757" cy="6702553"/>
+            <a:chOff x="1196051" y="80192"/>
+            <a:chExt cx="10565757" cy="6697615"/>
           </a:xfrm>
         </p:grpSpPr>
         <p:pic>
@@ -3026,8 +3026,8 @@
           </p:blipFill>
           <p:spPr>
             <a:xfrm>
-              <a:off x="1196051" y="80193"/>
-              <a:ext cx="5943600" cy="3714750"/>
+              <a:off x="1196051" y="80192"/>
+              <a:ext cx="5950186" cy="3718866"/>
             </a:xfrm>
             <a:prstGeom prst="rect">
               <a:avLst/>
